--- a/Presentation.pptx
+++ b/Presentation.pptx
@@ -13594,10 +13594,10 @@
                 <a:cs typeface="Times New Roman" panose="02020603050405020304" pitchFamily="18" charset="0"/>
                 <a:sym typeface="Barlow Medium"/>
               </a:rPr>
-              <a:t>Keeps you up-to-date with the latest </a:t>
+              <a:t>Keeps you up-to-date with the </a:t>
             </a:r>
             <a:r>
-              <a:rPr lang="en-US" sz="2400" dirty="0" err="1">
+              <a:rPr lang="en-US" sz="2400">
                 <a:solidFill>
                   <a:srgbClr val="FFFFFF"/>
                 </a:solidFill>
@@ -13605,7 +13605,7 @@
                 <a:cs typeface="Times New Roman" panose="02020603050405020304" pitchFamily="18" charset="0"/>
                 <a:sym typeface="Barlow Medium"/>
               </a:rPr>
-              <a:t>eductional</a:t>
+              <a:t>latest educational </a:t>
             </a:r>
             <a:r>
               <a:rPr lang="en-US" sz="2400" dirty="0">
@@ -13616,7 +13616,7 @@
                 <a:cs typeface="Times New Roman" panose="02020603050405020304" pitchFamily="18" charset="0"/>
                 <a:sym typeface="Barlow Medium"/>
               </a:rPr>
-              <a:t> news.</a:t>
+              <a:t>news.</a:t>
             </a:r>
             <a:endParaRPr dirty="0"/>
           </a:p>
